--- a/BCA/Computer Fundamentals and MS-Office (P)F1.pptx
+++ b/BCA/Computer Fundamentals and MS-Office (P)F1.pptx
@@ -261,7 +261,7 @@
           <a:p>
             <a:fld id="{49611CBD-5DE5-42AB-B1EB-E52F4A100369}" type="datetimeFigureOut">
               <a:rPr lang="en-IN" smtClean="0"/>
-              <a:t>04-08-2024</a:t>
+              <a:t>20-10-2024</a:t>
             </a:fld>
             <a:endParaRPr lang="en-IN"/>
           </a:p>
@@ -461,7 +461,7 @@
           <a:p>
             <a:fld id="{49611CBD-5DE5-42AB-B1EB-E52F4A100369}" type="datetimeFigureOut">
               <a:rPr lang="en-IN" smtClean="0"/>
-              <a:t>04-08-2024</a:t>
+              <a:t>20-10-2024</a:t>
             </a:fld>
             <a:endParaRPr lang="en-IN"/>
           </a:p>
@@ -671,7 +671,7 @@
           <a:p>
             <a:fld id="{49611CBD-5DE5-42AB-B1EB-E52F4A100369}" type="datetimeFigureOut">
               <a:rPr lang="en-IN" smtClean="0"/>
-              <a:t>04-08-2024</a:t>
+              <a:t>20-10-2024</a:t>
             </a:fld>
             <a:endParaRPr lang="en-IN"/>
           </a:p>
@@ -871,7 +871,7 @@
           <a:p>
             <a:fld id="{49611CBD-5DE5-42AB-B1EB-E52F4A100369}" type="datetimeFigureOut">
               <a:rPr lang="en-IN" smtClean="0"/>
-              <a:t>04-08-2024</a:t>
+              <a:t>20-10-2024</a:t>
             </a:fld>
             <a:endParaRPr lang="en-IN"/>
           </a:p>
@@ -1147,7 +1147,7 @@
           <a:p>
             <a:fld id="{49611CBD-5DE5-42AB-B1EB-E52F4A100369}" type="datetimeFigureOut">
               <a:rPr lang="en-IN" smtClean="0"/>
-              <a:t>04-08-2024</a:t>
+              <a:t>20-10-2024</a:t>
             </a:fld>
             <a:endParaRPr lang="en-IN"/>
           </a:p>
@@ -1415,7 +1415,7 @@
           <a:p>
             <a:fld id="{49611CBD-5DE5-42AB-B1EB-E52F4A100369}" type="datetimeFigureOut">
               <a:rPr lang="en-IN" smtClean="0"/>
-              <a:t>04-08-2024</a:t>
+              <a:t>20-10-2024</a:t>
             </a:fld>
             <a:endParaRPr lang="en-IN"/>
           </a:p>
@@ -1830,7 +1830,7 @@
           <a:p>
             <a:fld id="{49611CBD-5DE5-42AB-B1EB-E52F4A100369}" type="datetimeFigureOut">
               <a:rPr lang="en-IN" smtClean="0"/>
-              <a:t>04-08-2024</a:t>
+              <a:t>20-10-2024</a:t>
             </a:fld>
             <a:endParaRPr lang="en-IN"/>
           </a:p>
@@ -1972,7 +1972,7 @@
           <a:p>
             <a:fld id="{49611CBD-5DE5-42AB-B1EB-E52F4A100369}" type="datetimeFigureOut">
               <a:rPr lang="en-IN" smtClean="0"/>
-              <a:t>04-08-2024</a:t>
+              <a:t>20-10-2024</a:t>
             </a:fld>
             <a:endParaRPr lang="en-IN"/>
           </a:p>
@@ -2085,7 +2085,7 @@
           <a:p>
             <a:fld id="{49611CBD-5DE5-42AB-B1EB-E52F4A100369}" type="datetimeFigureOut">
               <a:rPr lang="en-IN" smtClean="0"/>
-              <a:t>04-08-2024</a:t>
+              <a:t>20-10-2024</a:t>
             </a:fld>
             <a:endParaRPr lang="en-IN"/>
           </a:p>
@@ -2398,7 +2398,7 @@
           <a:p>
             <a:fld id="{49611CBD-5DE5-42AB-B1EB-E52F4A100369}" type="datetimeFigureOut">
               <a:rPr lang="en-IN" smtClean="0"/>
-              <a:t>04-08-2024</a:t>
+              <a:t>20-10-2024</a:t>
             </a:fld>
             <a:endParaRPr lang="en-IN"/>
           </a:p>
@@ -2687,7 +2687,7 @@
           <a:p>
             <a:fld id="{49611CBD-5DE5-42AB-B1EB-E52F4A100369}" type="datetimeFigureOut">
               <a:rPr lang="en-IN" smtClean="0"/>
-              <a:t>04-08-2024</a:t>
+              <a:t>20-10-2024</a:t>
             </a:fld>
             <a:endParaRPr lang="en-IN"/>
           </a:p>
@@ -2930,7 +2930,7 @@
           <a:p>
             <a:fld id="{49611CBD-5DE5-42AB-B1EB-E52F4A100369}" type="datetimeFigureOut">
               <a:rPr lang="en-IN" smtClean="0"/>
-              <a:t>04-08-2024</a:t>
+              <a:t>20-10-2024</a:t>
             </a:fld>
             <a:endParaRPr lang="en-IN"/>
           </a:p>
@@ -3436,16 +3436,6 @@
               <a:t>UNIT-1</a:t>
             </a:r>
           </a:p>
-          <a:p>
-            <a:pPr algn="ctr"/>
-            <a:r>
-              <a:rPr lang="en-IN" dirty="0">
-                <a:hlinkClick r:id="rId2" action="ppaction://hlinkpres?slideindex=1&amp;slidetitle="/>
-              </a:rPr>
-              <a:t>Introduction to Computers</a:t>
-            </a:r>
-            <a:endParaRPr lang="en-IN" dirty="0"/>
-          </a:p>
         </p:txBody>
       </p:sp>
       <p:sp>

--- a/BCA/Computer Fundamentals and MS-Office (P)F1.pptx
+++ b/BCA/Computer Fundamentals and MS-Office (P)F1.pptx
@@ -261,7 +261,7 @@
           <a:p>
             <a:fld id="{49611CBD-5DE5-42AB-B1EB-E52F4A100369}" type="datetimeFigureOut">
               <a:rPr lang="en-IN" smtClean="0"/>
-              <a:t>20-10-2024</a:t>
+              <a:t>06-11-2024</a:t>
             </a:fld>
             <a:endParaRPr lang="en-IN"/>
           </a:p>
@@ -461,7 +461,7 @@
           <a:p>
             <a:fld id="{49611CBD-5DE5-42AB-B1EB-E52F4A100369}" type="datetimeFigureOut">
               <a:rPr lang="en-IN" smtClean="0"/>
-              <a:t>20-10-2024</a:t>
+              <a:t>06-11-2024</a:t>
             </a:fld>
             <a:endParaRPr lang="en-IN"/>
           </a:p>
@@ -671,7 +671,7 @@
           <a:p>
             <a:fld id="{49611CBD-5DE5-42AB-B1EB-E52F4A100369}" type="datetimeFigureOut">
               <a:rPr lang="en-IN" smtClean="0"/>
-              <a:t>20-10-2024</a:t>
+              <a:t>06-11-2024</a:t>
             </a:fld>
             <a:endParaRPr lang="en-IN"/>
           </a:p>
@@ -871,7 +871,7 @@
           <a:p>
             <a:fld id="{49611CBD-5DE5-42AB-B1EB-E52F4A100369}" type="datetimeFigureOut">
               <a:rPr lang="en-IN" smtClean="0"/>
-              <a:t>20-10-2024</a:t>
+              <a:t>06-11-2024</a:t>
             </a:fld>
             <a:endParaRPr lang="en-IN"/>
           </a:p>
@@ -1147,7 +1147,7 @@
           <a:p>
             <a:fld id="{49611CBD-5DE5-42AB-B1EB-E52F4A100369}" type="datetimeFigureOut">
               <a:rPr lang="en-IN" smtClean="0"/>
-              <a:t>20-10-2024</a:t>
+              <a:t>06-11-2024</a:t>
             </a:fld>
             <a:endParaRPr lang="en-IN"/>
           </a:p>
@@ -1415,7 +1415,7 @@
           <a:p>
             <a:fld id="{49611CBD-5DE5-42AB-B1EB-E52F4A100369}" type="datetimeFigureOut">
               <a:rPr lang="en-IN" smtClean="0"/>
-              <a:t>20-10-2024</a:t>
+              <a:t>06-11-2024</a:t>
             </a:fld>
             <a:endParaRPr lang="en-IN"/>
           </a:p>
@@ -1830,7 +1830,7 @@
           <a:p>
             <a:fld id="{49611CBD-5DE5-42AB-B1EB-E52F4A100369}" type="datetimeFigureOut">
               <a:rPr lang="en-IN" smtClean="0"/>
-              <a:t>20-10-2024</a:t>
+              <a:t>06-11-2024</a:t>
             </a:fld>
             <a:endParaRPr lang="en-IN"/>
           </a:p>
@@ -1972,7 +1972,7 @@
           <a:p>
             <a:fld id="{49611CBD-5DE5-42AB-B1EB-E52F4A100369}" type="datetimeFigureOut">
               <a:rPr lang="en-IN" smtClean="0"/>
-              <a:t>20-10-2024</a:t>
+              <a:t>06-11-2024</a:t>
             </a:fld>
             <a:endParaRPr lang="en-IN"/>
           </a:p>
@@ -2085,7 +2085,7 @@
           <a:p>
             <a:fld id="{49611CBD-5DE5-42AB-B1EB-E52F4A100369}" type="datetimeFigureOut">
               <a:rPr lang="en-IN" smtClean="0"/>
-              <a:t>20-10-2024</a:t>
+              <a:t>06-11-2024</a:t>
             </a:fld>
             <a:endParaRPr lang="en-IN"/>
           </a:p>
@@ -2398,7 +2398,7 @@
           <a:p>
             <a:fld id="{49611CBD-5DE5-42AB-B1EB-E52F4A100369}" type="datetimeFigureOut">
               <a:rPr lang="en-IN" smtClean="0"/>
-              <a:t>20-10-2024</a:t>
+              <a:t>06-11-2024</a:t>
             </a:fld>
             <a:endParaRPr lang="en-IN"/>
           </a:p>
@@ -2687,7 +2687,7 @@
           <a:p>
             <a:fld id="{49611CBD-5DE5-42AB-B1EB-E52F4A100369}" type="datetimeFigureOut">
               <a:rPr lang="en-IN" smtClean="0"/>
-              <a:t>20-10-2024</a:t>
+              <a:t>06-11-2024</a:t>
             </a:fld>
             <a:endParaRPr lang="en-IN"/>
           </a:p>
@@ -2930,7 +2930,7 @@
           <a:p>
             <a:fld id="{49611CBD-5DE5-42AB-B1EB-E52F4A100369}" type="datetimeFigureOut">
               <a:rPr lang="en-IN" smtClean="0"/>
-              <a:t>20-10-2024</a:t>
+              <a:t>06-11-2024</a:t>
             </a:fld>
             <a:endParaRPr lang="en-IN"/>
           </a:p>
@@ -3435,6 +3435,9 @@
               </a:rPr>
               <a:t>UNIT-1</a:t>
             </a:r>
+            <a:endParaRPr lang="en-IN" dirty="0">
+              <a:hlinkClick r:id="rId3" action="ppaction://hlinkpres?slideindex=1&amp;slidetitle="/>
+            </a:endParaRPr>
           </a:p>
         </p:txBody>
       </p:sp>
@@ -3490,7 +3493,7 @@
                 <a:solidFill>
                   <a:srgbClr val="FF0000"/>
                 </a:solidFill>
-                <a:hlinkClick r:id="rId3" action="ppaction://hlinkpres?slideindex=1&amp;slidetitle="/>
+                <a:hlinkClick r:id="rId4" action="ppaction://hlinkpres?slideindex=1&amp;slidetitle="/>
               </a:rPr>
               <a:t>UNIT-2</a:t>
             </a:r>
@@ -3498,7 +3501,7 @@
               <a:solidFill>
                 <a:srgbClr val="FF0000"/>
               </a:solidFill>
-              <a:hlinkClick r:id="rId4" action="ppaction://hlinkpres?slideindex=1&amp;slidetitle=">
+              <a:hlinkClick r:id="rId5" action="ppaction://hlinkpres?slideindex=1&amp;slidetitle=">
                 <a:extLst>
                   <a:ext uri="{A12FA001-AC4F-418D-AE19-62706E023703}">
                     <ahyp:hlinkClr xmlns:ahyp="http://schemas.microsoft.com/office/drawing/2018/hyperlinkcolor" val="tx"/>
@@ -3561,7 +3564,7 @@
                 <a:solidFill>
                   <a:srgbClr val="FF0000"/>
                 </a:solidFill>
-                <a:hlinkClick r:id="rId5" action="ppaction://hlinkpres?slideindex=1&amp;slidetitle="/>
+                <a:hlinkClick r:id="rId6" action="ppaction://hlinkpres?slideindex=1&amp;slidetitle="/>
               </a:rPr>
               <a:t>UNIT-5</a:t>
             </a:r>
@@ -3569,7 +3572,7 @@
               <a:solidFill>
                 <a:srgbClr val="FF0000"/>
               </a:solidFill>
-              <a:hlinkClick r:id="rId4" action="ppaction://hlinkpres?slideindex=1&amp;slidetitle=">
+              <a:hlinkClick r:id="rId5" action="ppaction://hlinkpres?slideindex=1&amp;slidetitle=">
                 <a:extLst>
                   <a:ext uri="{A12FA001-AC4F-418D-AE19-62706E023703}">
                     <ahyp:hlinkClr xmlns:ahyp="http://schemas.microsoft.com/office/drawing/2018/hyperlinkcolor" val="tx"/>
@@ -3632,7 +3635,7 @@
                 <a:solidFill>
                   <a:srgbClr val="FF0000"/>
                 </a:solidFill>
-                <a:hlinkClick r:id="rId6" action="ppaction://hlinkpres?slideindex=1&amp;slidetitle="/>
+                <a:hlinkClick r:id="rId7" action="ppaction://hlinkpres?slideindex=1&amp;slidetitle="/>
               </a:rPr>
               <a:t>UNIT-3</a:t>
             </a:r>
@@ -3640,7 +3643,7 @@
               <a:solidFill>
                 <a:srgbClr val="FF0000"/>
               </a:solidFill>
-              <a:hlinkClick r:id="rId4" action="ppaction://hlinkpres?slideindex=1&amp;slidetitle=">
+              <a:hlinkClick r:id="rId5" action="ppaction://hlinkpres?slideindex=1&amp;slidetitle=">
                 <a:extLst>
                   <a:ext uri="{A12FA001-AC4F-418D-AE19-62706E023703}">
                     <ahyp:hlinkClr xmlns:ahyp="http://schemas.microsoft.com/office/drawing/2018/hyperlinkcolor" val="tx"/>
@@ -3703,7 +3706,7 @@
                 <a:solidFill>
                   <a:srgbClr val="FF0000"/>
                 </a:solidFill>
-                <a:hlinkClick r:id="rId7" action="ppaction://hlinkpres?slideindex=1&amp;slidetitle="/>
+                <a:hlinkClick r:id="rId8" action="ppaction://hlinkpres?slideindex=1&amp;slidetitle="/>
               </a:rPr>
               <a:t>UNIT-4</a:t>
             </a:r>
@@ -3711,7 +3714,7 @@
               <a:solidFill>
                 <a:srgbClr val="FF0000"/>
               </a:solidFill>
-              <a:hlinkClick r:id="rId4" action="ppaction://hlinkpres?slideindex=1&amp;slidetitle=">
+              <a:hlinkClick r:id="rId5" action="ppaction://hlinkpres?slideindex=1&amp;slidetitle=">
                 <a:extLst>
                   <a:ext uri="{A12FA001-AC4F-418D-AE19-62706E023703}">
                     <ahyp:hlinkClr xmlns:ahyp="http://schemas.microsoft.com/office/drawing/2018/hyperlinkcolor" val="tx"/>
@@ -3781,7 +3784,7 @@
               <a:solidFill>
                 <a:srgbClr val="FF0000"/>
               </a:solidFill>
-              <a:hlinkClick r:id="rId4" action="ppaction://hlinkpres?slideindex=1&amp;slidetitle=">
+              <a:hlinkClick r:id="rId5" action="ppaction://hlinkpres?slideindex=1&amp;slidetitle=">
                 <a:extLst>
                   <a:ext uri="{A12FA001-AC4F-418D-AE19-62706E023703}">
                     <ahyp:hlinkClr xmlns:ahyp="http://schemas.microsoft.com/office/drawing/2018/hyperlinkcolor" val="tx"/>
